--- a/Tesis/Presentaciones/Seminario_EstudiosEnDeteccionDeSeñales.pptx
+++ b/Tesis/Presentaciones/Seminario_EstudiosEnDeteccionDeSeñales.pptx
@@ -75,9 +75,8 @@
     <p:sldId id="325" r:id="rId69"/>
     <p:sldId id="326" r:id="rId70"/>
     <p:sldId id="329" r:id="rId71"/>
-    <p:sldId id="330" r:id="rId72"/>
-    <p:sldId id="331" r:id="rId73"/>
-    <p:sldId id="334" r:id="rId74"/>
+    <p:sldId id="331" r:id="rId72"/>
+    <p:sldId id="334" r:id="rId73"/>
   </p:sldIdLst>
   <p:sldSz cx="9144000" cy="6858000" type="screen4x3"/>
   <p:notesSz cx="6858000" cy="9144000"/>
@@ -176,6 +175,22 @@
       </a:defRPr>
     </a:lvl9pPr>
   </p:defaultTextStyle>
+  <p:extLst>
+    <p:ext uri="{EFAFB233-063F-42B5-8137-9DF3F51BA10A}">
+      <p15:sldGuideLst xmlns:p15="http://schemas.microsoft.com/office/powerpoint/2012/main">
+        <p15:guide id="1" orient="horz" pos="2160">
+          <p15:clr>
+            <a:srgbClr val="A4A3A4"/>
+          </p15:clr>
+        </p15:guide>
+        <p15:guide id="2" pos="2880">
+          <p15:clr>
+            <a:srgbClr val="A4A3A4"/>
+          </p15:clr>
+        </p15:guide>
+      </p15:sldGuideLst>
+    </p:ext>
+  </p:extLst>
 </p:presentation>
 </file>
 
@@ -360,7 +375,7 @@
           <a:p>
             <a:fld id="{79B30158-61F8-441A-A2B0-B6D829D03B77}" type="datetimeFigureOut">
               <a:rPr lang="es-MX" smtClean="0"/>
-              <a:t>24/03/2017</a:t>
+              <a:t>04/02/2018</a:t>
             </a:fld>
             <a:endParaRPr lang="es-MX"/>
           </a:p>
@@ -530,7 +545,7 @@
           <a:p>
             <a:fld id="{79B30158-61F8-441A-A2B0-B6D829D03B77}" type="datetimeFigureOut">
               <a:rPr lang="es-MX" smtClean="0"/>
-              <a:t>24/03/2017</a:t>
+              <a:t>04/02/2018</a:t>
             </a:fld>
             <a:endParaRPr lang="es-MX"/>
           </a:p>
@@ -710,7 +725,7 @@
           <a:p>
             <a:fld id="{79B30158-61F8-441A-A2B0-B6D829D03B77}" type="datetimeFigureOut">
               <a:rPr lang="es-MX" smtClean="0"/>
-              <a:t>24/03/2017</a:t>
+              <a:t>04/02/2018</a:t>
             </a:fld>
             <a:endParaRPr lang="es-MX"/>
           </a:p>
@@ -880,7 +895,7 @@
           <a:p>
             <a:fld id="{79B30158-61F8-441A-A2B0-B6D829D03B77}" type="datetimeFigureOut">
               <a:rPr lang="es-MX" smtClean="0"/>
-              <a:t>24/03/2017</a:t>
+              <a:t>04/02/2018</a:t>
             </a:fld>
             <a:endParaRPr lang="es-MX"/>
           </a:p>
@@ -1126,7 +1141,7 @@
           <a:p>
             <a:fld id="{79B30158-61F8-441A-A2B0-B6D829D03B77}" type="datetimeFigureOut">
               <a:rPr lang="es-MX" smtClean="0"/>
-              <a:t>24/03/2017</a:t>
+              <a:t>04/02/2018</a:t>
             </a:fld>
             <a:endParaRPr lang="es-MX"/>
           </a:p>
@@ -1414,7 +1429,7 @@
           <a:p>
             <a:fld id="{79B30158-61F8-441A-A2B0-B6D829D03B77}" type="datetimeFigureOut">
               <a:rPr lang="es-MX" smtClean="0"/>
-              <a:t>24/03/2017</a:t>
+              <a:t>04/02/2018</a:t>
             </a:fld>
             <a:endParaRPr lang="es-MX"/>
           </a:p>
@@ -1836,7 +1851,7 @@
           <a:p>
             <a:fld id="{79B30158-61F8-441A-A2B0-B6D829D03B77}" type="datetimeFigureOut">
               <a:rPr lang="es-MX" smtClean="0"/>
-              <a:t>24/03/2017</a:t>
+              <a:t>04/02/2018</a:t>
             </a:fld>
             <a:endParaRPr lang="es-MX"/>
           </a:p>
@@ -1954,7 +1969,7 @@
           <a:p>
             <a:fld id="{79B30158-61F8-441A-A2B0-B6D829D03B77}" type="datetimeFigureOut">
               <a:rPr lang="es-MX" smtClean="0"/>
-              <a:t>24/03/2017</a:t>
+              <a:t>04/02/2018</a:t>
             </a:fld>
             <a:endParaRPr lang="es-MX"/>
           </a:p>
@@ -2049,7 +2064,7 @@
           <a:p>
             <a:fld id="{79B30158-61F8-441A-A2B0-B6D829D03B77}" type="datetimeFigureOut">
               <a:rPr lang="es-MX" smtClean="0"/>
-              <a:t>24/03/2017</a:t>
+              <a:t>04/02/2018</a:t>
             </a:fld>
             <a:endParaRPr lang="es-MX"/>
           </a:p>
@@ -2326,7 +2341,7 @@
           <a:p>
             <a:fld id="{79B30158-61F8-441A-A2B0-B6D829D03B77}" type="datetimeFigureOut">
               <a:rPr lang="es-MX" smtClean="0"/>
-              <a:t>24/03/2017</a:t>
+              <a:t>04/02/2018</a:t>
             </a:fld>
             <a:endParaRPr lang="es-MX"/>
           </a:p>
@@ -2579,7 +2594,7 @@
           <a:p>
             <a:fld id="{79B30158-61F8-441A-A2B0-B6D829D03B77}" type="datetimeFigureOut">
               <a:rPr lang="es-MX" smtClean="0"/>
-              <a:t>24/03/2017</a:t>
+              <a:t>04/02/2018</a:t>
             </a:fld>
             <a:endParaRPr lang="es-MX"/>
           </a:p>
@@ -2792,7 +2807,7 @@
           <a:p>
             <a:fld id="{79B30158-61F8-441A-A2B0-B6D829D03B77}" type="datetimeFigureOut">
               <a:rPr lang="es-MX" smtClean="0"/>
-              <a:t>24/03/2017</a:t>
+              <a:t>04/02/2018</a:t>
             </a:fld>
             <a:endParaRPr lang="es-MX"/>
           </a:p>
@@ -3312,6 +3327,13 @@
   <p:clrMapOvr>
     <a:masterClrMapping/>
   </p:clrMapOvr>
+  <p:timing>
+    <p:tnLst>
+      <p:par>
+        <p:cTn id="1" dur="indefinite" restart="never" nodeType="tmRoot"/>
+      </p:par>
+    </p:tnLst>
+  </p:timing>
 </p:sld>
 </file>
 
@@ -14620,6 +14642,13 @@
   <p:clrMapOvr>
     <a:masterClrMapping/>
   </p:clrMapOvr>
+  <p:timing>
+    <p:tnLst>
+      <p:par>
+        <p:cTn id="1" dur="indefinite" restart="never" nodeType="tmRoot"/>
+      </p:par>
+    </p:tnLst>
+  </p:timing>
 </p:sld>
 </file>
 
@@ -14859,6 +14888,13 @@
   <p:clrMapOvr>
     <a:masterClrMapping/>
   </p:clrMapOvr>
+  <p:timing>
+    <p:tnLst>
+      <p:par>
+        <p:cTn id="1" dur="indefinite" restart="never" nodeType="tmRoot"/>
+      </p:par>
+    </p:tnLst>
+  </p:timing>
 </p:sld>
 </file>
 
@@ -14993,6 +15029,13 @@
   <p:clrMapOvr>
     <a:masterClrMapping/>
   </p:clrMapOvr>
+  <p:timing>
+    <p:tnLst>
+      <p:par>
+        <p:cTn id="1" dur="indefinite" restart="never" nodeType="tmRoot"/>
+      </p:par>
+    </p:tnLst>
+  </p:timing>
 </p:sld>
 </file>
 
@@ -15127,6 +15170,13 @@
   <p:clrMapOvr>
     <a:masterClrMapping/>
   </p:clrMapOvr>
+  <p:timing>
+    <p:tnLst>
+      <p:par>
+        <p:cTn id="1" dur="indefinite" restart="never" nodeType="tmRoot"/>
+      </p:par>
+    </p:tnLst>
+  </p:timing>
 </p:sld>
 </file>
 
@@ -15249,6 +15299,13 @@
   <p:clrMapOvr>
     <a:masterClrMapping/>
   </p:clrMapOvr>
+  <p:timing>
+    <p:tnLst>
+      <p:par>
+        <p:cTn id="1" dur="indefinite" restart="never" nodeType="tmRoot"/>
+      </p:par>
+    </p:tnLst>
+  </p:timing>
 </p:sld>
 </file>
 
@@ -16493,6 +16550,13 @@
   <p:clrMapOvr>
     <a:masterClrMapping/>
   </p:clrMapOvr>
+  <p:timing>
+    <p:tnLst>
+      <p:par>
+        <p:cTn id="1" dur="indefinite" restart="never" nodeType="tmRoot"/>
+      </p:par>
+    </p:tnLst>
+  </p:timing>
 </p:sld>
 </file>
 
@@ -16615,6 +16679,13 @@
   <p:clrMapOvr>
     <a:masterClrMapping/>
   </p:clrMapOvr>
+  <p:timing>
+    <p:tnLst>
+      <p:par>
+        <p:cTn id="1" dur="indefinite" restart="never" nodeType="tmRoot"/>
+      </p:par>
+    </p:tnLst>
+  </p:timing>
 </p:sld>
 </file>
 
@@ -16700,11 +16771,7 @@
             </a:pPr>
             <a:r>
               <a:rPr lang="es-MX" b="1" dirty="0" smtClean="0"/>
-              <a:t>Los </a:t>
-            </a:r>
-            <a:r>
-              <a:rPr lang="es-MX" b="1" dirty="0" smtClean="0"/>
-              <a:t>errores cuestan y los aciertos pagan.</a:t>
+              <a:t>Los errores cuestan y los aciertos pagan.</a:t>
             </a:r>
           </a:p>
           <a:p>
@@ -16819,6 +16886,13 @@
   <p:clrMapOvr>
     <a:masterClrMapping/>
   </p:clrMapOvr>
+  <p:timing>
+    <p:tnLst>
+      <p:par>
+        <p:cTn id="1" dur="indefinite" restart="never" nodeType="tmRoot"/>
+      </p:par>
+    </p:tnLst>
+  </p:timing>
 </p:sld>
 </file>
 
@@ -16849,140 +16923,6 @@
             <p:ph type="title"/>
           </p:nvPr>
         </p:nvSpPr>
-        <p:spPr/>
-        <p:txBody>
-          <a:bodyPr>
-            <a:normAutofit fontScale="90000"/>
-          </a:bodyPr>
-          <a:lstStyle/>
-          <a:p>
-            <a:r>
-              <a:rPr lang="es-MX" dirty="0" smtClean="0"/>
-              <a:t/>
-            </a:r>
-            <a:br>
-              <a:rPr lang="es-MX" dirty="0" smtClean="0"/>
-            </a:br>
-            <a:endParaRPr lang="es-MX" dirty="0"/>
-          </a:p>
-        </p:txBody>
-      </p:sp>
-      <p:sp>
-        <p:nvSpPr>
-          <p:cNvPr id="3" name="2 Marcador de contenido"/>
-          <p:cNvSpPr>
-            <a:spLocks noGrp="1"/>
-          </p:cNvSpPr>
-          <p:nvPr>
-            <p:ph idx="1"/>
-          </p:nvPr>
-        </p:nvSpPr>
-        <p:spPr/>
-        <p:txBody>
-          <a:bodyPr/>
-          <a:lstStyle/>
-          <a:p>
-            <a:endParaRPr lang="es-MX" dirty="0" smtClean="0"/>
-          </a:p>
-          <a:p>
-            <a:endParaRPr lang="es-MX" dirty="0"/>
-          </a:p>
-        </p:txBody>
-      </p:sp>
-      <p:pic>
-        <p:nvPicPr>
-          <p:cNvPr id="21506" name="Picture 2"/>
-          <p:cNvPicPr>
-            <a:picLocks noChangeAspect="1" noChangeArrowheads="1"/>
-          </p:cNvPicPr>
-          <p:nvPr/>
-        </p:nvPicPr>
-        <p:blipFill>
-          <a:blip r:embed="rId2">
-            <a:extLst>
-              <a:ext uri="{28A0092B-C50C-407E-A947-70E740481C1C}">
-                <a14:useLocalDpi xmlns:a14="http://schemas.microsoft.com/office/drawing/2010/main" val="0"/>
-              </a:ext>
-            </a:extLst>
-          </a:blip>
-          <a:srcRect/>
-          <a:stretch>
-            <a:fillRect/>
-          </a:stretch>
-        </p:blipFill>
-        <p:spPr bwMode="auto">
-          <a:xfrm>
-            <a:off x="1527090" y="2348880"/>
-            <a:ext cx="5722375" cy="2356272"/>
-          </a:xfrm>
-          <a:prstGeom prst="rect">
-            <a:avLst/>
-          </a:prstGeom>
-          <a:noFill/>
-          <a:ln>
-            <a:noFill/>
-          </a:ln>
-          <a:extLst>
-            <a:ext uri="{909E8E84-426E-40DD-AFC4-6F175D3DCCD1}">
-              <a14:hiddenFill xmlns:a14="http://schemas.microsoft.com/office/drawing/2010/main">
-                <a:solidFill>
-                  <a:schemeClr val="accent1"/>
-                </a:solidFill>
-              </a14:hiddenFill>
-            </a:ext>
-            <a:ext uri="{91240B29-F687-4F45-9708-019B960494DF}">
-              <a14:hiddenLine xmlns:a14="http://schemas.microsoft.com/office/drawing/2010/main" w="9525">
-                <a:solidFill>
-                  <a:schemeClr val="tx1"/>
-                </a:solidFill>
-                <a:miter lim="800000"/>
-                <a:headEnd/>
-                <a:tailEnd/>
-              </a14:hiddenLine>
-            </a:ext>
-          </a:extLst>
-        </p:spPr>
-      </p:pic>
-    </p:spTree>
-    <p:extLst>
-      <p:ext uri="{BB962C8B-B14F-4D97-AF65-F5344CB8AC3E}">
-        <p14:creationId xmlns:p14="http://schemas.microsoft.com/office/powerpoint/2010/main" val="2080071130"/>
-      </p:ext>
-    </p:extLst>
-  </p:cSld>
-  <p:clrMapOvr>
-    <a:masterClrMapping/>
-  </p:clrMapOvr>
-</p:sld>
-</file>
-
-<file path=ppt/slides/slide72.xml><?xml version="1.0" encoding="utf-8"?>
-<p:sld xmlns:a="http://schemas.openxmlformats.org/drawingml/2006/main" xmlns:r="http://schemas.openxmlformats.org/officeDocument/2006/relationships" xmlns:p="http://schemas.openxmlformats.org/presentationml/2006/main">
-  <p:cSld>
-    <p:spTree>
-      <p:nvGrpSpPr>
-        <p:cNvPr id="1" name=""/>
-        <p:cNvGrpSpPr/>
-        <p:nvPr/>
-      </p:nvGrpSpPr>
-      <p:grpSpPr>
-        <a:xfrm>
-          <a:off x="0" y="0"/>
-          <a:ext cx="0" cy="0"/>
-          <a:chOff x="0" y="0"/>
-          <a:chExt cx="0" cy="0"/>
-        </a:xfrm>
-      </p:grpSpPr>
-      <p:sp>
-        <p:nvSpPr>
-          <p:cNvPr id="2" name="1 Título"/>
-          <p:cNvSpPr>
-            <a:spLocks noGrp="1"/>
-          </p:cNvSpPr>
-          <p:nvPr>
-            <p:ph type="title"/>
-          </p:nvPr>
-        </p:nvSpPr>
         <p:spPr>
           <a:xfrm>
             <a:off x="395536" y="188640"/>
@@ -17162,10 +17102,17 @@
   <p:clrMapOvr>
     <a:masterClrMapping/>
   </p:clrMapOvr>
+  <p:timing>
+    <p:tnLst>
+      <p:par>
+        <p:cTn id="1" dur="indefinite" restart="never" nodeType="tmRoot"/>
+      </p:par>
+    </p:tnLst>
+  </p:timing>
 </p:sld>
 </file>
 
-<file path=ppt/slides/slide73.xml><?xml version="1.0" encoding="utf-8"?>
+<file path=ppt/slides/slide72.xml><?xml version="1.0" encoding="utf-8"?>
 <p:sld xmlns:a="http://schemas.openxmlformats.org/drawingml/2006/main" xmlns:r="http://schemas.openxmlformats.org/officeDocument/2006/relationships" xmlns:p="http://schemas.openxmlformats.org/presentationml/2006/main">
   <p:cSld>
     <p:spTree>
